--- a/Präsentation/Präsentation_IC 2.pptx
+++ b/Präsentation/Präsentation_IC 2.pptx
@@ -204,7 +204,7 @@
             <a:fld id="{3F4004E9-AAF9-4459-B082-4BF2A270E208}" type="datetimeFigureOut">
               <a:rPr lang="de-DE" smtClean="0"/>
               <a:pPr/>
-              <a:t>04.07.2016</a:t>
+              <a:t>05.07.2016</a:t>
             </a:fld>
             <a:endParaRPr lang="de-DE" dirty="0"/>
           </a:p>
@@ -544,11 +544,7 @@
             </a:r>
             <a:r>
               <a:rPr lang="de-DE" baseline="0" dirty="0" smtClean="0"/>
-              <a:t> des Imports der </a:t>
-            </a:r>
-            <a:r>
-              <a:rPr lang="de-DE" baseline="0" dirty="0" smtClean="0"/>
-              <a:t>OSM-Daten</a:t>
+              <a:t> des Imports der OSM-Daten</a:t>
             </a:r>
             <a:endParaRPr lang="de-DE" dirty="0" smtClean="0"/>
           </a:p>
@@ -576,21 +572,8 @@
           <a:p>
             <a:r>
               <a:rPr lang="de-DE" baseline="0" dirty="0" smtClean="0"/>
-              <a:t>Funktionsweise </a:t>
-            </a:r>
-            <a:r>
-              <a:rPr lang="de-DE" baseline="0" dirty="0" smtClean="0"/>
-              <a:t>der Insert-, Check- </a:t>
-            </a:r>
-            <a:r>
-              <a:rPr lang="de-DE" baseline="0" dirty="0" smtClean="0"/>
-              <a:t>und </a:t>
-            </a:r>
-            <a:r>
-              <a:rPr lang="de-DE" baseline="0" dirty="0" smtClean="0"/>
-              <a:t>Drop-Funktionen</a:t>
-            </a:r>
-            <a:endParaRPr lang="de-DE" baseline="0" dirty="0" smtClean="0"/>
+              <a:t>Funktionsweise der Insert-, Check- und Drop-Funktionen</a:t>
+            </a:r>
           </a:p>
           <a:p>
             <a:r>
@@ -601,11 +584,7 @@
           <a:p>
             <a:r>
               <a:rPr lang="de-DE" baseline="0" dirty="0" smtClean="0"/>
-              <a:t>Vorführung der </a:t>
-            </a:r>
-            <a:r>
-              <a:rPr lang="de-DE" baseline="0" dirty="0" smtClean="0"/>
-              <a:t>Demo</a:t>
+              <a:t>Vorführung der Demo</a:t>
             </a:r>
           </a:p>
           <a:p>
@@ -800,27 +779,7 @@
             </a:r>
             <a:r>
               <a:rPr lang="de-DE" baseline="0" dirty="0" smtClean="0"/>
-              <a:t> </a:t>
-            </a:r>
-            <a:r>
-              <a:rPr lang="de-DE" baseline="0" dirty="0" smtClean="0"/>
-              <a:t>XML-Datei </a:t>
-            </a:r>
-            <a:r>
-              <a:rPr lang="de-DE" baseline="0" dirty="0" smtClean="0"/>
-              <a:t>enthält </a:t>
-            </a:r>
-            <a:r>
-              <a:rPr lang="de-DE" baseline="0" dirty="0" smtClean="0"/>
-              <a:t>die OSM-Daten </a:t>
-            </a:r>
-            <a:r>
-              <a:rPr lang="de-DE" baseline="0" dirty="0" smtClean="0"/>
-              <a:t>und diese Daten sind in </a:t>
-            </a:r>
-            <a:r>
-              <a:rPr lang="de-DE" baseline="0" dirty="0" smtClean="0"/>
-              <a:t>Notes, </a:t>
+              <a:t> XML-Datei enthält die OSM-Daten und diese Daten sind in Notes, </a:t>
             </a:r>
             <a:r>
               <a:rPr lang="de-DE" baseline="0" dirty="0" err="1" smtClean="0"/>
@@ -828,41 +787,8 @@
             </a:r>
             <a:r>
               <a:rPr lang="de-DE" baseline="0" dirty="0" smtClean="0"/>
-              <a:t> </a:t>
-            </a:r>
-            <a:r>
-              <a:rPr lang="de-DE" baseline="0" dirty="0" smtClean="0"/>
-              <a:t>und Relations mit Tags unterteilt. </a:t>
-            </a:r>
-            <a:r>
-              <a:rPr lang="de-DE" baseline="0" dirty="0" smtClean="0"/>
-              <a:t>In </a:t>
-            </a:r>
-            <a:r>
-              <a:rPr lang="de-DE" baseline="0" dirty="0" smtClean="0"/>
-              <a:t>der DB ist </a:t>
-            </a:r>
-            <a:r>
-              <a:rPr lang="de-DE" baseline="0" dirty="0" smtClean="0"/>
-              <a:t>aber die </a:t>
-            </a:r>
-            <a:r>
-              <a:rPr lang="de-DE" baseline="0" dirty="0" smtClean="0"/>
-              <a:t>gegebene Struktur und deshalb musste man die XML </a:t>
-            </a:r>
-            <a:r>
-              <a:rPr lang="de-DE" baseline="0" dirty="0" smtClean="0"/>
-              <a:t>zerstückeln/ aufteilen und </a:t>
-            </a:r>
-            <a:r>
-              <a:rPr lang="de-DE" baseline="0" dirty="0" smtClean="0"/>
-              <a:t>richtig reinladen (Relations brauchen wir gar nicht</a:t>
-            </a:r>
-            <a:r>
-              <a:rPr lang="de-DE" baseline="0" dirty="0" smtClean="0"/>
-              <a:t>).</a:t>
-            </a:r>
-            <a:endParaRPr lang="de-DE" baseline="0" dirty="0" smtClean="0"/>
+              <a:t> und Relations mit Tags unterteilt. In der DB ist aber die gegebene Struktur und deshalb musste man die XML zerstückeln/ aufteilen und richtig reinladen (Relations brauchen wir gar nicht).</a:t>
+            </a:r>
           </a:p>
           <a:p>
             <a:pPr marL="228600" indent="-228600">
@@ -874,105 +800,14 @@
             </a:r>
             <a:r>
               <a:rPr lang="de-DE" baseline="0" dirty="0" smtClean="0"/>
-              <a:t> aus den OSM </a:t>
-            </a:r>
-            <a:r>
-              <a:rPr lang="de-DE" baseline="0" dirty="0" smtClean="0"/>
-              <a:t>nur 11.181 Daten von 85.059  </a:t>
+              <a:t> aus den OSM nur 11.181 Daten von 85.059  </a:t>
             </a:r>
             <a:r>
               <a:rPr lang="de-DE" baseline="0" dirty="0" smtClean="0">
                 <a:sym typeface="Wingdings" pitchFamily="2" charset="2"/>
               </a:rPr>
-              <a:t> </a:t>
-            </a:r>
-            <a:r>
-              <a:rPr lang="de-DE" baseline="0" dirty="0" smtClean="0">
-                <a:sym typeface="Wingdings" pitchFamily="2" charset="2"/>
-              </a:rPr>
-              <a:t>Grund: Viele der Notes sind einfach nur </a:t>
-            </a:r>
-            <a:r>
-              <a:rPr lang="de-DE" baseline="0" dirty="0" smtClean="0">
-                <a:sym typeface="Wingdings" pitchFamily="2" charset="2"/>
-              </a:rPr>
-              <a:t>Positionen und </a:t>
-            </a:r>
-            <a:r>
-              <a:rPr lang="de-DE" baseline="0" dirty="0" smtClean="0">
-                <a:sym typeface="Wingdings" pitchFamily="2" charset="2"/>
-              </a:rPr>
-              <a:t>in der Datenbank </a:t>
-            </a:r>
-            <a:r>
-              <a:rPr lang="de-DE" baseline="0" dirty="0" smtClean="0">
-                <a:sym typeface="Wingdings" pitchFamily="2" charset="2"/>
-              </a:rPr>
-              <a:t>daher völlig </a:t>
-            </a:r>
-            <a:r>
-              <a:rPr lang="de-DE" baseline="0" dirty="0" smtClean="0">
-                <a:sym typeface="Wingdings" pitchFamily="2" charset="2"/>
-              </a:rPr>
-              <a:t>irrelevant – gehören </a:t>
-            </a:r>
-            <a:r>
-              <a:rPr lang="de-DE" baseline="0" dirty="0" smtClean="0">
-                <a:sym typeface="Wingdings" pitchFamily="2" charset="2"/>
-              </a:rPr>
-              <a:t>also in </a:t>
-            </a:r>
-            <a:r>
-              <a:rPr lang="de-DE" baseline="0" dirty="0" smtClean="0">
-                <a:sym typeface="Wingdings" pitchFamily="2" charset="2"/>
-              </a:rPr>
-              <a:t>keine Tabelle rein. </a:t>
-            </a:r>
-            <a:r>
-              <a:rPr lang="de-DE" baseline="0" dirty="0" smtClean="0">
-                <a:sym typeface="Wingdings" pitchFamily="2" charset="2"/>
-              </a:rPr>
-              <a:t>OSM-Daten </a:t>
-            </a:r>
-            <a:r>
-              <a:rPr lang="de-DE" baseline="0" dirty="0" smtClean="0">
-                <a:sym typeface="Wingdings" pitchFamily="2" charset="2"/>
-              </a:rPr>
-              <a:t>sind </a:t>
-            </a:r>
-            <a:r>
-              <a:rPr lang="de-DE" baseline="0" dirty="0" smtClean="0">
-                <a:sym typeface="Wingdings" pitchFamily="2" charset="2"/>
-              </a:rPr>
-              <a:t>Open Source; </a:t>
-            </a:r>
-            <a:r>
-              <a:rPr lang="de-DE" baseline="0" dirty="0" smtClean="0">
-                <a:sym typeface="Wingdings" pitchFamily="2" charset="2"/>
-              </a:rPr>
-              <a:t>jeder kann da was eintragen und oft fehlen da auch Daten. Daher konnte man manche Beziehungen nicht im Datenmodell modellieren (relationales Datenbankmodell bei manchen nicht möglich, hat </a:t>
-            </a:r>
-            <a:r>
-              <a:rPr lang="de-DE" baseline="0" dirty="0" smtClean="0">
-                <a:sym typeface="Wingdings" pitchFamily="2" charset="2"/>
-              </a:rPr>
-              <a:t>keinen </a:t>
-            </a:r>
-            <a:r>
-              <a:rPr lang="de-DE" baseline="0" dirty="0" smtClean="0">
-                <a:sym typeface="Wingdings" pitchFamily="2" charset="2"/>
-              </a:rPr>
-              <a:t>Sinn gemacht</a:t>
-            </a:r>
-            <a:r>
-              <a:rPr lang="de-DE" baseline="0" dirty="0" smtClean="0">
-                <a:sym typeface="Wingdings" pitchFamily="2" charset="2"/>
-              </a:rPr>
-              <a:t>).</a:t>
-            </a:r>
-            <a:endParaRPr lang="de-DE" baseline="0" dirty="0" smtClean="0">
-              <a:sym typeface="Wingdings" pitchFamily="2" charset="2"/>
-            </a:endParaRPr>
+              <a:t> Grund: Viele der Notes sind einfach nur Positionen und in der Datenbank daher völlig irrelevant – gehören also in keine Tabelle rein. OSM-Daten sind Open Source; jeder kann da was eintragen und oft fehlen da auch Daten. Daher konnte man manche Beziehungen nicht im Datenmodell modellieren (relationales Datenbankmodell bei manchen nicht möglich, hat keinen Sinn gemacht).</a:t>
+            </a:r>
           </a:p>
           <a:p>
             <a:pPr marL="228600" indent="-228600">
@@ -994,173 +829,44 @@
               <a:rPr lang="de-DE" baseline="0" dirty="0" smtClean="0">
                 <a:sym typeface="Wingdings" pitchFamily="2" charset="2"/>
               </a:rPr>
-              <a:t> sind </a:t>
+              <a:t> sind die IDs der Notes als Koordinaten gegeben und die eigentlichen GPS-Koordinaten müssen aus den Nodes ausgelesen werden. </a:t>
+            </a:r>
+            <a:r>
+              <a:rPr lang="de-DE" baseline="0" dirty="0" err="1" smtClean="0">
+                <a:sym typeface="Wingdings" pitchFamily="2" charset="2"/>
+              </a:rPr>
+              <a:t>Ways</a:t>
             </a:r>
             <a:r>
               <a:rPr lang="de-DE" baseline="0" dirty="0" smtClean="0">
                 <a:sym typeface="Wingdings" pitchFamily="2" charset="2"/>
               </a:rPr>
-              <a:t>die IDs </a:t>
+              <a:t> besteht aus mehreren Nodes. Deshalb müssen erst alle Nodes importiert bevor alle </a:t>
+            </a:r>
+            <a:r>
+              <a:rPr lang="de-DE" baseline="0" dirty="0" err="1" smtClean="0">
+                <a:sym typeface="Wingdings" pitchFamily="2" charset="2"/>
+              </a:rPr>
+              <a:t>Ways</a:t>
             </a:r>
             <a:r>
               <a:rPr lang="de-DE" baseline="0" dirty="0" smtClean="0">
                 <a:sym typeface="Wingdings" pitchFamily="2" charset="2"/>
               </a:rPr>
-              <a:t>der Notes als Koordinaten gegeben und die eigentlichen </a:t>
+              <a:t> importiert werden können. Mehrere Datenimports waren nötig, weil </a:t>
+            </a:r>
+            <a:r>
+              <a:rPr lang="de-DE" baseline="0" dirty="0" err="1" smtClean="0">
+                <a:sym typeface="Wingdings" pitchFamily="2" charset="2"/>
+              </a:rPr>
+              <a:t>Assertions</a:t>
             </a:r>
             <a:r>
               <a:rPr lang="de-DE" baseline="0" dirty="0" smtClean="0">
                 <a:sym typeface="Wingdings" pitchFamily="2" charset="2"/>
               </a:rPr>
-              <a:t>GPS-Koordinaten </a:t>
-            </a:r>
-            <a:r>
-              <a:rPr lang="de-DE" baseline="0" dirty="0" smtClean="0">
-                <a:sym typeface="Wingdings" pitchFamily="2" charset="2"/>
-              </a:rPr>
-              <a:t>müssen aus den Nodes ausgelesen werden. </a:t>
-            </a:r>
-            <a:r>
-              <a:rPr lang="de-DE" baseline="0" dirty="0" err="1" smtClean="0">
-                <a:sym typeface="Wingdings" pitchFamily="2" charset="2"/>
-              </a:rPr>
-              <a:t>Ways</a:t>
-            </a:r>
-            <a:r>
-              <a:rPr lang="de-DE" baseline="0" dirty="0" smtClean="0">
-                <a:sym typeface="Wingdings" pitchFamily="2" charset="2"/>
-              </a:rPr>
-              <a:t> besteht aus mehreren Nodes. </a:t>
-            </a:r>
-            <a:r>
-              <a:rPr lang="de-DE" baseline="0" dirty="0" smtClean="0">
-                <a:sym typeface="Wingdings" pitchFamily="2" charset="2"/>
-              </a:rPr>
-              <a:t>Deshalb müssen </a:t>
-            </a:r>
-            <a:r>
-              <a:rPr lang="de-DE" baseline="0" dirty="0" smtClean="0">
-                <a:sym typeface="Wingdings" pitchFamily="2" charset="2"/>
-              </a:rPr>
-              <a:t>erst </a:t>
-            </a:r>
-            <a:r>
-              <a:rPr lang="de-DE" baseline="0" dirty="0" smtClean="0">
-                <a:sym typeface="Wingdings" pitchFamily="2" charset="2"/>
-              </a:rPr>
-              <a:t>alle </a:t>
-            </a:r>
-            <a:r>
-              <a:rPr lang="de-DE" baseline="0" dirty="0" smtClean="0">
-                <a:sym typeface="Wingdings" pitchFamily="2" charset="2"/>
-              </a:rPr>
-              <a:t>Nodes </a:t>
-            </a:r>
-            <a:r>
-              <a:rPr lang="de-DE" baseline="0" dirty="0" smtClean="0">
-                <a:sym typeface="Wingdings" pitchFamily="2" charset="2"/>
-              </a:rPr>
-              <a:t>importiert bevor </a:t>
-            </a:r>
-            <a:r>
-              <a:rPr lang="de-DE" baseline="0" dirty="0" smtClean="0">
-                <a:sym typeface="Wingdings" pitchFamily="2" charset="2"/>
-              </a:rPr>
-              <a:t>alle </a:t>
-            </a:r>
-            <a:r>
-              <a:rPr lang="de-DE" baseline="0" dirty="0" err="1" smtClean="0">
-                <a:sym typeface="Wingdings" pitchFamily="2" charset="2"/>
-              </a:rPr>
-              <a:t>Ways</a:t>
-            </a:r>
-            <a:r>
-              <a:rPr lang="de-DE" baseline="0" dirty="0" smtClean="0">
-                <a:sym typeface="Wingdings" pitchFamily="2" charset="2"/>
-              </a:rPr>
-              <a:t> importiert </a:t>
-            </a:r>
-            <a:r>
-              <a:rPr lang="de-DE" baseline="0" dirty="0" smtClean="0">
-                <a:sym typeface="Wingdings" pitchFamily="2" charset="2"/>
-              </a:rPr>
-              <a:t>werden können. </a:t>
-            </a:r>
-            <a:r>
-              <a:rPr lang="de-DE" baseline="0" dirty="0" smtClean="0">
-                <a:sym typeface="Wingdings" pitchFamily="2" charset="2"/>
-              </a:rPr>
-              <a:t>Mehrere Datenimports </a:t>
-            </a:r>
-            <a:r>
-              <a:rPr lang="de-DE" baseline="0" dirty="0" smtClean="0">
-                <a:sym typeface="Wingdings" pitchFamily="2" charset="2"/>
-              </a:rPr>
-              <a:t>waren nötig</a:t>
-            </a:r>
-            <a:r>
-              <a:rPr lang="de-DE" baseline="0" dirty="0" smtClean="0">
-                <a:sym typeface="Wingdings" pitchFamily="2" charset="2"/>
-              </a:rPr>
-              <a:t>, weil </a:t>
-            </a:r>
-            <a:r>
-              <a:rPr lang="de-DE" baseline="0" dirty="0" err="1" smtClean="0">
-                <a:sym typeface="Wingdings" pitchFamily="2" charset="2"/>
-              </a:rPr>
-              <a:t>Assertions</a:t>
-            </a:r>
-            <a:r>
-              <a:rPr lang="de-DE" baseline="0" dirty="0" smtClean="0">
-                <a:sym typeface="Wingdings" pitchFamily="2" charset="2"/>
-              </a:rPr>
-              <a:t> zuerst </a:t>
-            </a:r>
-            <a:r>
-              <a:rPr lang="de-DE" baseline="0" dirty="0" smtClean="0">
-                <a:sym typeface="Wingdings" pitchFamily="2" charset="2"/>
-              </a:rPr>
-              <a:t>implementiert worden sind. </a:t>
-            </a:r>
-            <a:r>
-              <a:rPr lang="de-DE" baseline="0" dirty="0" smtClean="0">
-                <a:sym typeface="Wingdings" pitchFamily="2" charset="2"/>
-              </a:rPr>
-              <a:t>Die </a:t>
-            </a:r>
-            <a:r>
-              <a:rPr lang="de-DE" baseline="0" dirty="0" smtClean="0">
-                <a:sym typeface="Wingdings" pitchFamily="2" charset="2"/>
-              </a:rPr>
-              <a:t>haben dann gefeuert</a:t>
-            </a:r>
-            <a:r>
-              <a:rPr lang="de-DE" baseline="0" dirty="0" smtClean="0">
-                <a:sym typeface="Wingdings" pitchFamily="2" charset="2"/>
-              </a:rPr>
-              <a:t>, weil teilweise </a:t>
-            </a:r>
-            <a:r>
-              <a:rPr lang="de-DE" baseline="0" dirty="0" smtClean="0">
-                <a:sym typeface="Wingdings" pitchFamily="2" charset="2"/>
-              </a:rPr>
-              <a:t>noch Daten </a:t>
-            </a:r>
-            <a:r>
-              <a:rPr lang="de-DE" baseline="0" dirty="0" smtClean="0">
-                <a:sym typeface="Wingdings" pitchFamily="2" charset="2"/>
-              </a:rPr>
-              <a:t>gefehlt haben. Das machen wir alles in einem Programmstart (solange Daten neu eingefügt wurden und ein stabiler Zustand erreicht wurde</a:t>
-            </a:r>
-            <a:r>
-              <a:rPr lang="de-DE" baseline="0" dirty="0" smtClean="0">
-                <a:sym typeface="Wingdings" pitchFamily="2" charset="2"/>
-              </a:rPr>
-              <a:t>).</a:t>
-            </a:r>
-            <a:endParaRPr lang="de-DE" baseline="0" dirty="0" smtClean="0">
-              <a:sym typeface="Wingdings" pitchFamily="2" charset="2"/>
-            </a:endParaRPr>
+              <a:t> zuerst implementiert worden sind. Die haben dann gefeuert, weil teilweise noch Daten gefehlt haben. Das machen wir alles in einem Programmstart (solange Daten neu eingefügt wurden und ein stabiler Zustand erreicht wurde).</a:t>
+            </a:r>
           </a:p>
           <a:p>
             <a:pPr marL="228600" indent="-228600">
@@ -1170,61 +876,31 @@
               <a:rPr lang="de-DE" baseline="0" dirty="0" smtClean="0">
                 <a:sym typeface="Wingdings" pitchFamily="2" charset="2"/>
               </a:rPr>
-              <a:t>Riesige </a:t>
+              <a:t>Riesige XML-Datei – Performance leidet. </a:t>
+            </a:r>
+            <a:r>
+              <a:rPr lang="de-DE" baseline="0" dirty="0" err="1" smtClean="0">
+                <a:sym typeface="Wingdings" pitchFamily="2" charset="2"/>
+              </a:rPr>
+              <a:t>Gefixed</a:t>
             </a:r>
             <a:r>
               <a:rPr lang="de-DE" baseline="0" dirty="0" smtClean="0">
                 <a:sym typeface="Wingdings" pitchFamily="2" charset="2"/>
               </a:rPr>
-              <a:t>XML-Datei </a:t>
+              <a:t>: Wir öffnen einmal ein </a:t>
+            </a:r>
+            <a:r>
+              <a:rPr lang="de-DE" baseline="0" dirty="0" err="1" smtClean="0">
+                <a:sym typeface="Wingdings" pitchFamily="2" charset="2"/>
+              </a:rPr>
+              <a:t>prepared</a:t>
             </a:r>
             <a:r>
               <a:rPr lang="de-DE" baseline="0" dirty="0" smtClean="0">
                 <a:sym typeface="Wingdings" pitchFamily="2" charset="2"/>
               </a:rPr>
-              <a:t>– Performance leidet. </a:t>
-            </a:r>
-            <a:r>
-              <a:rPr lang="de-DE" baseline="0" dirty="0" err="1" smtClean="0">
-                <a:sym typeface="Wingdings" pitchFamily="2" charset="2"/>
-              </a:rPr>
-              <a:t>Gefixed</a:t>
-            </a:r>
-            <a:r>
-              <a:rPr lang="de-DE" baseline="0" dirty="0" smtClean="0">
-                <a:sym typeface="Wingdings" pitchFamily="2" charset="2"/>
-              </a:rPr>
-              <a:t>: Wir öffnen einmal ein </a:t>
-            </a:r>
-            <a:r>
-              <a:rPr lang="de-DE" baseline="0" dirty="0" err="1" smtClean="0">
-                <a:sym typeface="Wingdings" pitchFamily="2" charset="2"/>
-              </a:rPr>
-              <a:t>prepared</a:t>
-            </a:r>
-            <a:r>
-              <a:rPr lang="de-DE" baseline="0" dirty="0" smtClean="0">
-                <a:sym typeface="Wingdings" pitchFamily="2" charset="2"/>
-              </a:rPr>
-              <a:t>-Statement </a:t>
-            </a:r>
-            <a:r>
-              <a:rPr lang="de-DE" baseline="0" dirty="0" smtClean="0">
-                <a:sym typeface="Wingdings" pitchFamily="2" charset="2"/>
-              </a:rPr>
-              <a:t>zum Insert mit </a:t>
-            </a:r>
-            <a:r>
-              <a:rPr lang="de-DE" baseline="0" dirty="0" smtClean="0">
-                <a:sym typeface="Wingdings" pitchFamily="2" charset="2"/>
-              </a:rPr>
-              <a:t>Fragezeichen und </a:t>
-            </a:r>
-            <a:r>
-              <a:rPr lang="de-DE" baseline="0" dirty="0" smtClean="0">
-                <a:sym typeface="Wingdings" pitchFamily="2" charset="2"/>
-              </a:rPr>
-              <a:t>nehmen den Rumpf immer wieder für die anderen Häuser, Ampeln etc. </a:t>
+              <a:t>-Statement zum Insert mit Fragezeichen und nehmen den Rumpf immer wieder für die anderen Häuser, Ampeln etc. </a:t>
             </a:r>
           </a:p>
           <a:p>
@@ -1350,19 +1026,11 @@
           <a:p>
             <a:r>
               <a:rPr lang="de-DE" dirty="0" smtClean="0"/>
-              <a:t>Hier Beispiel </a:t>
-            </a:r>
-            <a:r>
-              <a:rPr lang="de-DE" dirty="0" smtClean="0"/>
-              <a:t>Assertion</a:t>
+              <a:t>Hier Beispiel Assertion</a:t>
             </a:r>
             <a:r>
               <a:rPr lang="de-DE" baseline="0" dirty="0" smtClean="0"/>
-              <a:t> </a:t>
-            </a:r>
-            <a:r>
-              <a:rPr lang="de-DE" baseline="0" dirty="0" smtClean="0"/>
-              <a:t>und Unterschied zu </a:t>
+              <a:t> und Unterschied zu </a:t>
             </a:r>
             <a:r>
               <a:rPr lang="de-DE" baseline="0" dirty="0" err="1" smtClean="0"/>
@@ -1378,11 +1046,7 @@
             </a:r>
             <a:r>
               <a:rPr lang="de-DE" baseline="0" dirty="0" smtClean="0"/>
-              <a:t> wäre die Assertion </a:t>
-            </a:r>
-            <a:r>
-              <a:rPr lang="de-DE" baseline="0" dirty="0" smtClean="0"/>
-              <a:t>=</a:t>
+              <a:t> wäre die Assertion =</a:t>
             </a:r>
             <a:r>
               <a:rPr lang="en-US" sz="1200" dirty="0" smtClean="0">
@@ -1433,7 +1097,6 @@
               <a:rPr lang="de-DE" baseline="0" dirty="0" smtClean="0"/>
               <a:t>.</a:t>
             </a:r>
-            <a:endParaRPr lang="de-DE" baseline="0" dirty="0" smtClean="0"/>
           </a:p>
           <a:p>
             <a:r>
@@ -1549,11 +1212,7 @@
           <a:p>
             <a:r>
               <a:rPr lang="en-US" dirty="0" smtClean="0"/>
-              <a:t>[Returns </a:t>
-            </a:r>
-            <a:r>
-              <a:rPr lang="en-US" dirty="0" smtClean="0"/>
-              <a:t>TRUE if the supplied geometries have some, but not all, interior (</a:t>
+              <a:t>[Returns TRUE if the supplied geometries have some, but not all, interior (</a:t>
             </a:r>
             <a:r>
               <a:rPr lang="en-US" dirty="0" err="1" smtClean="0"/>
@@ -1561,15 +1220,7 @@
             </a:r>
             <a:r>
               <a:rPr lang="en-US" dirty="0" smtClean="0"/>
-              <a:t>) points in </a:t>
-            </a:r>
-            <a:r>
-              <a:rPr lang="en-US" dirty="0" smtClean="0"/>
-              <a:t>common </a:t>
-            </a:r>
-            <a:r>
-              <a:rPr lang="en-US" dirty="0" smtClean="0"/>
-              <a:t>(</a:t>
+              <a:t>) points in common (</a:t>
             </a:r>
             <a:r>
               <a:rPr lang="en-US" dirty="0" err="1" smtClean="0"/>
@@ -3643,8 +3294,8 @@
         </p:nvSpPr>
         <p:spPr>
           <a:xfrm>
-            <a:off x="6642230" y="4339106"/>
-            <a:ext cx="1723472" cy="292388"/>
+            <a:off x="6237185" y="4329100"/>
+            <a:ext cx="1723472" cy="338554"/>
           </a:xfrm>
           <a:prstGeom prst="rect">
             <a:avLst/>
@@ -3658,27 +3309,16 @@
           <a:lstStyle/>
           <a:p>
             <a:r>
-              <a:rPr lang="de-DE" sz="1300" b="1" dirty="0" smtClean="0">
-                <a:solidFill>
-                  <a:srgbClr val="C00000"/>
-                </a:solidFill>
-              </a:rPr>
+              <a:rPr lang="de-DE" sz="1600" b="1" dirty="0" smtClean="0"/>
               <a:t>Zurück blättern </a:t>
             </a:r>
             <a:r>
-              <a:rPr lang="de-DE" sz="1300" b="1" dirty="0" smtClean="0">
-                <a:solidFill>
-                  <a:srgbClr val="C00000"/>
-                </a:solidFill>
+              <a:rPr lang="de-DE" sz="1600" b="1" dirty="0" smtClean="0">
                 <a:sym typeface="Wingdings" pitchFamily="2" charset="2"/>
               </a:rPr>
               <a:t></a:t>
             </a:r>
-            <a:endParaRPr lang="de-DE" sz="1300" b="1" dirty="0">
-              <a:solidFill>
-                <a:srgbClr val="C00000"/>
-              </a:solidFill>
-            </a:endParaRPr>
+            <a:endParaRPr lang="de-DE" sz="1600" b="1" dirty="0"/>
           </a:p>
         </p:txBody>
       </p:sp>
@@ -3690,8 +3330,8 @@
         </p:nvSpPr>
         <p:spPr>
           <a:xfrm>
-            <a:off x="6687235" y="2028097"/>
-            <a:ext cx="2070230" cy="292388"/>
+            <a:off x="6237185" y="2005014"/>
+            <a:ext cx="2070230" cy="338554"/>
           </a:xfrm>
           <a:prstGeom prst="rect">
             <a:avLst/>
@@ -3705,27 +3345,16 @@
           <a:lstStyle/>
           <a:p>
             <a:r>
-              <a:rPr lang="de-DE" sz="1300" b="1" dirty="0" smtClean="0">
-                <a:solidFill>
-                  <a:srgbClr val="FF0000"/>
-                </a:solidFill>
-              </a:rPr>
+              <a:rPr lang="de-DE" sz="1600" b="1" dirty="0" smtClean="0"/>
               <a:t>Weiter blättern </a:t>
             </a:r>
             <a:r>
-              <a:rPr lang="de-DE" sz="1300" b="1" dirty="0" smtClean="0">
-                <a:solidFill>
-                  <a:srgbClr val="FF0000"/>
-                </a:solidFill>
+              <a:rPr lang="de-DE" sz="1600" b="1" dirty="0" smtClean="0">
                 <a:sym typeface="Wingdings" pitchFamily="2" charset="2"/>
               </a:rPr>
               <a:t></a:t>
             </a:r>
-            <a:endParaRPr lang="de-DE" sz="1300" b="1" dirty="0">
-              <a:solidFill>
-                <a:srgbClr val="FF0000"/>
-              </a:solidFill>
-            </a:endParaRPr>
+            <a:endParaRPr lang="de-DE" sz="1600" b="1" dirty="0"/>
           </a:p>
         </p:txBody>
       </p:sp>
@@ -3746,7 +3375,7 @@
           <a:noFill/>
           <a:ln>
             <a:solidFill>
-              <a:srgbClr val="FF0000"/>
+              <a:schemeClr val="tx1"/>
             </a:solidFill>
           </a:ln>
         </p:spPr>
@@ -3783,7 +3412,7 @@
         </p:nvSpPr>
         <p:spPr>
           <a:xfrm>
-            <a:off x="8049786" y="4265707"/>
+            <a:off x="8082390" y="4294958"/>
             <a:ext cx="540060" cy="439187"/>
           </a:xfrm>
           <a:prstGeom prst="rect">
@@ -3792,7 +3421,7 @@
           <a:noFill/>
           <a:ln>
             <a:solidFill>
-              <a:srgbClr val="C00000"/>
+              <a:schemeClr val="tx1"/>
             </a:solidFill>
           </a:ln>
         </p:spPr>
@@ -3829,7 +3458,7 @@
         </p:nvSpPr>
         <p:spPr>
           <a:xfrm>
-            <a:off x="7619058" y="3158970"/>
+            <a:off x="7587335" y="3158970"/>
             <a:ext cx="1453442" cy="360040"/>
           </a:xfrm>
           <a:prstGeom prst="rect">
@@ -3838,7 +3467,7 @@
           <a:noFill/>
           <a:ln>
             <a:solidFill>
-              <a:srgbClr val="00B050"/>
+              <a:schemeClr val="tx1"/>
             </a:solidFill>
           </a:ln>
         </p:spPr>
@@ -3875,8 +3504,8 @@
         </p:nvSpPr>
         <p:spPr>
           <a:xfrm>
-            <a:off x="4270247" y="3192796"/>
-            <a:ext cx="3947158" cy="292388"/>
+            <a:off x="4977045" y="3158970"/>
+            <a:ext cx="6606780" cy="584775"/>
           </a:xfrm>
           <a:prstGeom prst="rect">
             <a:avLst/>
@@ -3890,27 +3519,35 @@
           <a:lstStyle/>
           <a:p>
             <a:r>
-              <a:rPr lang="de-DE" sz="1300" b="1" dirty="0" smtClean="0">
-                <a:solidFill>
-                  <a:srgbClr val="00B050"/>
-                </a:solidFill>
-              </a:rPr>
-              <a:t>Name verletzter Assertion &amp; Anzahl Objekte </a:t>
-            </a:r>
-            <a:r>
-              <a:rPr lang="de-DE" sz="1300" b="1" dirty="0" smtClean="0">
-                <a:solidFill>
-                  <a:srgbClr val="00B050"/>
-                </a:solidFill>
+              <a:rPr lang="de-DE" sz="1600" b="1" dirty="0" smtClean="0"/>
+              <a:t>Name verletzter Assertion </a:t>
+            </a:r>
+            <a:r>
+              <a:rPr lang="de-DE" sz="1600" b="1" dirty="0" smtClean="0">
                 <a:sym typeface="Wingdings" pitchFamily="2" charset="2"/>
               </a:rPr>
               <a:t></a:t>
             </a:r>
-            <a:endParaRPr lang="de-DE" sz="1300" b="1" dirty="0">
-              <a:solidFill>
-                <a:srgbClr val="00B050"/>
-              </a:solidFill>
-            </a:endParaRPr>
+            <a:endParaRPr lang="de-DE" sz="1600" b="1" dirty="0" smtClean="0"/>
+          </a:p>
+          <a:p>
+            <a:r>
+              <a:rPr lang="de-DE" sz="1600" b="1" dirty="0" smtClean="0"/>
+              <a:t>&amp; </a:t>
+            </a:r>
+            <a:r>
+              <a:rPr lang="de-DE" sz="1600" b="1" dirty="0" smtClean="0"/>
+              <a:t>Anzahl </a:t>
+            </a:r>
+            <a:r>
+              <a:rPr lang="de-DE" sz="1600" b="1" dirty="0" smtClean="0"/>
+              <a:t>aller </a:t>
+            </a:r>
+            <a:r>
+              <a:rPr lang="de-DE" sz="1600" b="1" dirty="0" smtClean="0"/>
+              <a:t>Objekte</a:t>
+            </a:r>
+            <a:endParaRPr lang="de-DE" sz="1600" b="1" dirty="0"/>
           </a:p>
         </p:txBody>
       </p:sp>
@@ -3931,7 +3568,7 @@
           <a:noFill/>
           <a:ln>
             <a:solidFill>
-              <a:srgbClr val="7030A0"/>
+              <a:schemeClr val="tx1"/>
             </a:solidFill>
           </a:ln>
         </p:spPr>
@@ -3968,8 +3605,8 @@
         </p:nvSpPr>
         <p:spPr>
           <a:xfrm>
-            <a:off x="454016" y="1347592"/>
-            <a:ext cx="3600400" cy="292388"/>
+            <a:off x="476545" y="1335252"/>
+            <a:ext cx="4252999" cy="338554"/>
           </a:xfrm>
           <a:prstGeom prst="rect">
             <a:avLst/>
@@ -3983,43 +3620,24 @@
           <a:lstStyle/>
           <a:p>
             <a:r>
-              <a:rPr lang="de-DE" sz="1300" b="1" dirty="0" smtClean="0">
-                <a:solidFill>
-                  <a:srgbClr val="7030A0"/>
-                </a:solidFill>
+              <a:rPr lang="de-DE" sz="1600" b="1" dirty="0" smtClean="0">
                 <a:sym typeface="Wingdings" pitchFamily="2" charset="2"/>
               </a:rPr>
               <a:t></a:t>
             </a:r>
             <a:r>
-              <a:rPr lang="de-DE" sz="1300" b="1" dirty="0" smtClean="0">
-                <a:solidFill>
-                  <a:srgbClr val="7030A0"/>
-                </a:solidFill>
-              </a:rPr>
+              <a:rPr lang="de-DE" sz="1600" b="1" dirty="0" smtClean="0"/>
               <a:t> .</a:t>
             </a:r>
             <a:r>
-              <a:rPr lang="de-DE" sz="1300" b="1" dirty="0" err="1" smtClean="0">
-                <a:solidFill>
-                  <a:srgbClr val="7030A0"/>
-                </a:solidFill>
-              </a:rPr>
+              <a:rPr lang="de-DE" sz="1600" b="1" dirty="0" err="1" smtClean="0"/>
               <a:t>asn</a:t>
             </a:r>
             <a:r>
-              <a:rPr lang="de-DE" sz="1300" b="1" dirty="0" smtClean="0">
-                <a:solidFill>
-                  <a:srgbClr val="7030A0"/>
-                </a:solidFill>
-              </a:rPr>
+              <a:rPr lang="de-DE" sz="1600" b="1" dirty="0" smtClean="0"/>
               <a:t> Datei öffnen/ Daten importieren</a:t>
             </a:r>
-            <a:endParaRPr lang="de-DE" sz="1300" b="1" dirty="0">
-              <a:solidFill>
-                <a:srgbClr val="7030A0"/>
-              </a:solidFill>
-            </a:endParaRPr>
+            <a:endParaRPr lang="de-DE" sz="1600" b="1" dirty="0"/>
           </a:p>
         </p:txBody>
       </p:sp>
@@ -4038,94 +3656,9 @@
             <a:avLst/>
           </a:prstGeom>
           <a:noFill/>
-        </p:spPr>
-        <p:style>
-          <a:lnRef idx="2">
-            <a:schemeClr val="accent1">
-              <a:shade val="50000"/>
-            </a:schemeClr>
-          </a:lnRef>
-          <a:fillRef idx="1">
-            <a:schemeClr val="accent1"/>
-          </a:fillRef>
-          <a:effectRef idx="0">
-            <a:schemeClr val="accent1"/>
-          </a:effectRef>
-          <a:fontRef idx="minor">
-            <a:schemeClr val="lt1"/>
-          </a:fontRef>
-        </p:style>
-        <p:txBody>
-          <a:bodyPr rtlCol="0" anchor="ctr"/>
-          <a:lstStyle/>
-          <a:p>
-            <a:pPr algn="ctr"/>
-            <a:endParaRPr lang="de-DE"/>
-          </a:p>
-        </p:txBody>
-      </p:sp>
-      <p:sp>
-        <p:nvSpPr>
-          <p:cNvPr id="20" name="Textfeld 19"/>
-          <p:cNvSpPr txBox="1"/>
-          <p:nvPr/>
-        </p:nvSpPr>
-        <p:spPr>
-          <a:xfrm>
-            <a:off x="1871700" y="4666782"/>
-            <a:ext cx="2295255" cy="292388"/>
-          </a:xfrm>
-          <a:prstGeom prst="rect">
-            <a:avLst/>
-          </a:prstGeom>
-          <a:noFill/>
-        </p:spPr>
-        <p:txBody>
-          <a:bodyPr wrap="square" rtlCol="0">
-            <a:spAutoFit/>
-          </a:bodyPr>
-          <a:lstStyle/>
-          <a:p>
-            <a:r>
-              <a:rPr lang="de-DE" sz="1300" b="1" dirty="0" smtClean="0">
-                <a:solidFill>
-                  <a:schemeClr val="tx2">
-                    <a:lumMod val="75000"/>
-                  </a:schemeClr>
-                </a:solidFill>
-              </a:rPr>
-              <a:t>Graphische Darstellung</a:t>
-            </a:r>
-            <a:endParaRPr lang="de-DE" sz="1300" b="1" dirty="0">
-              <a:solidFill>
-                <a:schemeClr val="tx2">
-                  <a:lumMod val="75000"/>
-                </a:schemeClr>
-              </a:solidFill>
-            </a:endParaRPr>
-          </a:p>
-        </p:txBody>
-      </p:sp>
-      <p:sp>
-        <p:nvSpPr>
-          <p:cNvPr id="21" name="Rechteck 20"/>
-          <p:cNvSpPr/>
-          <p:nvPr/>
-        </p:nvSpPr>
-        <p:spPr>
-          <a:xfrm>
-            <a:off x="125761" y="5049180"/>
-            <a:ext cx="6291444" cy="1080120"/>
-          </a:xfrm>
-          <a:prstGeom prst="rect">
-            <a:avLst/>
-          </a:prstGeom>
-          <a:noFill/>
           <a:ln>
             <a:solidFill>
-              <a:schemeClr val="accent6">
-                <a:lumMod val="75000"/>
-              </a:schemeClr>
+              <a:schemeClr val="tx1"/>
             </a:solidFill>
           </a:ln>
         </p:spPr>
@@ -4156,14 +3689,14 @@
       </p:sp>
       <p:sp>
         <p:nvSpPr>
-          <p:cNvPr id="22" name="Textfeld 21"/>
+          <p:cNvPr id="20" name="Textfeld 19"/>
           <p:cNvSpPr txBox="1"/>
           <p:nvPr/>
         </p:nvSpPr>
         <p:spPr>
           <a:xfrm>
-            <a:off x="2456765" y="5806135"/>
-            <a:ext cx="4500500" cy="323165"/>
+            <a:off x="1466655" y="4644135"/>
+            <a:ext cx="2295255" cy="338554"/>
           </a:xfrm>
           <a:prstGeom prst="rect">
             <a:avLst/>
@@ -4176,44 +3709,96 @@
           </a:bodyPr>
           <a:lstStyle/>
           <a:p>
+            <a:r>
+              <a:rPr lang="de-DE" sz="1600" b="1" dirty="0" smtClean="0"/>
+              <a:t>Graphische Darstellung</a:t>
+            </a:r>
+            <a:endParaRPr lang="de-DE" sz="1600" b="1" dirty="0"/>
+          </a:p>
+        </p:txBody>
+      </p:sp>
+      <p:sp>
+        <p:nvSpPr>
+          <p:cNvPr id="21" name="Rechteck 20"/>
+          <p:cNvSpPr/>
+          <p:nvPr/>
+        </p:nvSpPr>
+        <p:spPr>
+          <a:xfrm>
+            <a:off x="125761" y="5049180"/>
+            <a:ext cx="6291444" cy="1080120"/>
+          </a:xfrm>
+          <a:prstGeom prst="rect">
+            <a:avLst/>
+          </a:prstGeom>
+          <a:noFill/>
+          <a:ln>
+            <a:solidFill>
+              <a:schemeClr val="tx1"/>
+            </a:solidFill>
+          </a:ln>
+        </p:spPr>
+        <p:style>
+          <a:lnRef idx="2">
+            <a:schemeClr val="accent1">
+              <a:shade val="50000"/>
+            </a:schemeClr>
+          </a:lnRef>
+          <a:fillRef idx="1">
+            <a:schemeClr val="accent1"/>
+          </a:fillRef>
+          <a:effectRef idx="0">
+            <a:schemeClr val="accent1"/>
+          </a:effectRef>
+          <a:fontRef idx="minor">
+            <a:schemeClr val="lt1"/>
+          </a:fontRef>
+        </p:style>
+        <p:txBody>
+          <a:bodyPr rtlCol="0" anchor="ctr"/>
+          <a:lstStyle/>
+          <a:p>
+            <a:pPr algn="ctr"/>
+            <a:endParaRPr lang="de-DE"/>
+          </a:p>
+        </p:txBody>
+      </p:sp>
+      <p:sp>
+        <p:nvSpPr>
+          <p:cNvPr id="22" name="Textfeld 21"/>
+          <p:cNvSpPr txBox="1"/>
+          <p:nvPr/>
+        </p:nvSpPr>
+        <p:spPr>
+          <a:xfrm>
+            <a:off x="2231740" y="5655731"/>
+            <a:ext cx="4500500" cy="338554"/>
+          </a:xfrm>
+          <a:prstGeom prst="rect">
+            <a:avLst/>
+          </a:prstGeom>
+          <a:noFill/>
+        </p:spPr>
+        <p:txBody>
+          <a:bodyPr wrap="square" rtlCol="0">
+            <a:spAutoFit/>
+          </a:bodyPr>
+          <a:lstStyle/>
+          <a:p>
             <a:pPr lvl="2"/>
             <a:r>
-              <a:rPr lang="de-DE" sz="1500" b="1" dirty="0" smtClean="0">
-                <a:solidFill>
-                  <a:schemeClr val="accent6">
-                    <a:lumMod val="75000"/>
-                  </a:schemeClr>
-                </a:solidFill>
-              </a:rPr>
+              <a:rPr lang="de-DE" sz="1600" b="1" dirty="0" smtClean="0"/>
               <a:t>Log: Ausgaben </a:t>
             </a:r>
             <a:r>
-              <a:rPr lang="de-DE" sz="1500" b="1" dirty="0">
-                <a:solidFill>
-                  <a:schemeClr val="accent6">
-                    <a:lumMod val="75000"/>
-                  </a:schemeClr>
-                </a:solidFill>
-              </a:rPr>
+              <a:rPr lang="de-DE" sz="1600" b="1" dirty="0"/>
               <a:t>aus der Java </a:t>
             </a:r>
             <a:r>
-              <a:rPr lang="de-DE" sz="1500" b="1" dirty="0" err="1" smtClean="0">
-                <a:solidFill>
-                  <a:schemeClr val="accent6">
-                    <a:lumMod val="75000"/>
-                  </a:schemeClr>
-                </a:solidFill>
-              </a:rPr>
+              <a:rPr lang="de-DE" sz="1600" b="1" dirty="0" err="1" smtClean="0"/>
               <a:t>Console</a:t>
             </a:r>
-            <a:endParaRPr lang="de-DE" sz="1500" b="1" dirty="0">
-              <a:solidFill>
-                <a:schemeClr val="accent6">
-                  <a:lumMod val="75000"/>
-                </a:schemeClr>
-              </a:solidFill>
-            </a:endParaRPr>
+            <a:endParaRPr lang="de-DE" sz="1600" b="1" dirty="0"/>
           </a:p>
         </p:txBody>
       </p:sp>
@@ -4761,6 +4346,13 @@
   <p:clrMapOvr>
     <a:masterClrMapping/>
   </p:clrMapOvr>
+  <p:timing>
+    <p:tnLst>
+      <p:par>
+        <p:cTn id="1" dur="indefinite" restart="never" nodeType="tmRoot"/>
+      </p:par>
+    </p:tnLst>
+  </p:timing>
 </p:sld>
 </file>
 
@@ -5360,6 +4952,13 @@
   <p:clrMapOvr>
     <a:masterClrMapping/>
   </p:clrMapOvr>
+  <p:timing>
+    <p:tnLst>
+      <p:par>
+        <p:cTn id="1" dur="indefinite" restart="never" nodeType="tmRoot"/>
+      </p:par>
+    </p:tnLst>
+  </p:timing>
 </p:sld>
 </file>
 
@@ -6509,7 +6108,7 @@
       </p:sp>
       <p:pic>
         <p:nvPicPr>
-          <p:cNvPr id="9" name="Grafik 8"/>
+          <p:cNvPr id="4" name="Grafik 3"/>
           <p:cNvPicPr>
             <a:picLocks noChangeAspect="1"/>
           </p:cNvPicPr>
@@ -6529,8 +6128,8 @@
         </p:blipFill>
         <p:spPr>
           <a:xfrm>
-            <a:off x="2591780" y="1268760"/>
-            <a:ext cx="3901698" cy="5038115"/>
+            <a:off x="1307735" y="1088740"/>
+            <a:ext cx="6639640" cy="5400600"/>
           </a:xfrm>
           <a:prstGeom prst="rect">
             <a:avLst/>
@@ -6726,7 +6325,7 @@
       </p:sp>
       <p:pic>
         <p:nvPicPr>
-          <p:cNvPr id="4" name="Grafik 3"/>
+          <p:cNvPr id="8" name="Grafik 7"/>
           <p:cNvPicPr>
             <a:picLocks noChangeAspect="1"/>
           </p:cNvPicPr>
@@ -6746,8 +6345,8 @@
         </p:blipFill>
         <p:spPr>
           <a:xfrm>
-            <a:off x="2591780" y="1668059"/>
-            <a:ext cx="3953182" cy="4056196"/>
+            <a:off x="1196625" y="1583795"/>
+            <a:ext cx="6674588" cy="4320480"/>
           </a:xfrm>
           <a:prstGeom prst="rect">
             <a:avLst/>
@@ -7382,13 +6981,13 @@
       </p:sp>
       <p:pic>
         <p:nvPicPr>
-          <p:cNvPr id="8" name="Grafik 7"/>
+          <p:cNvPr id="2" name="Grafik 1"/>
           <p:cNvPicPr>
             <a:picLocks noChangeAspect="1"/>
           </p:cNvPicPr>
           <p:nvPr/>
         </p:nvPicPr>
-        <p:blipFill>
+        <p:blipFill rotWithShape="1">
           <a:blip r:embed="rId2">
             <a:extLst>
               <a:ext uri="{28A0092B-C50C-407E-A947-70E740481C1C}">
@@ -7396,14 +6995,13 @@
               </a:ext>
             </a:extLst>
           </a:blip>
-          <a:stretch>
-            <a:fillRect/>
-          </a:stretch>
+          <a:srcRect l="5858" t="6040" r="8680" b="5143"/>
+          <a:stretch/>
         </p:blipFill>
         <p:spPr>
           <a:xfrm>
-            <a:off x="2051720" y="1137000"/>
-            <a:ext cx="5030818" cy="5307335"/>
+            <a:off x="1827574" y="953725"/>
+            <a:ext cx="5309711" cy="5518210"/>
           </a:xfrm>
           <a:prstGeom prst="rect">
             <a:avLst/>

--- a/Präsentation/Präsentation_IC 2.pptx
+++ b/Präsentation/Präsentation_IC 2.pptx
@@ -204,7 +204,7 @@
             <a:fld id="{3F4004E9-AAF9-4459-B082-4BF2A270E208}" type="datetimeFigureOut">
               <a:rPr lang="de-DE" smtClean="0"/>
               <a:pPr/>
-              <a:t>05.07.2016</a:t>
+              <a:t>07.07.2016</a:t>
             </a:fld>
             <a:endParaRPr lang="de-DE" dirty="0"/>
           </a:p>
@@ -3533,19 +3533,7 @@
           <a:p>
             <a:r>
               <a:rPr lang="de-DE" sz="1600" b="1" dirty="0" smtClean="0"/>
-              <a:t>&amp; </a:t>
-            </a:r>
-            <a:r>
-              <a:rPr lang="de-DE" sz="1600" b="1" dirty="0" smtClean="0"/>
-              <a:t>Anzahl </a:t>
-            </a:r>
-            <a:r>
-              <a:rPr lang="de-DE" sz="1600" b="1" dirty="0" smtClean="0"/>
-              <a:t>aller </a:t>
-            </a:r>
-            <a:r>
-              <a:rPr lang="de-DE" sz="1600" b="1" dirty="0" smtClean="0"/>
-              <a:t>Objekte</a:t>
+              <a:t>&amp; Anzahl aller Objekte</a:t>
             </a:r>
             <a:endParaRPr lang="de-DE" sz="1600" b="1" dirty="0"/>
           </a:p>
@@ -4481,7 +4469,15 @@
             <a:pPr lvl="1"/>
             <a:r>
               <a:rPr lang="de-DE" sz="2600" dirty="0" smtClean="0"/>
-              <a:t>Insert, Check, Drop </a:t>
+              <a:t>Create</a:t>
+            </a:r>
+            <a:r>
+              <a:rPr lang="de-DE" sz="2600" dirty="0" smtClean="0"/>
+              <a:t>, </a:t>
+            </a:r>
+            <a:r>
+              <a:rPr lang="de-DE" sz="2600" dirty="0" smtClean="0"/>
+              <a:t>Check, Drop </a:t>
             </a:r>
             <a:endParaRPr lang="de-DE" sz="2600" dirty="0" smtClean="0">
               <a:solidFill>

--- a/Präsentation/Präsentation_IC 2.pptx
+++ b/Präsentation/Präsentation_IC 2.pptx
@@ -4469,15 +4469,7 @@
             <a:pPr lvl="1"/>
             <a:r>
               <a:rPr lang="de-DE" sz="2600" dirty="0" smtClean="0"/>
-              <a:t>Create</a:t>
-            </a:r>
-            <a:r>
-              <a:rPr lang="de-DE" sz="2600" dirty="0" smtClean="0"/>
-              <a:t>, </a:t>
-            </a:r>
-            <a:r>
-              <a:rPr lang="de-DE" sz="2600" dirty="0" smtClean="0"/>
-              <a:t>Check, Drop </a:t>
+              <a:t>Create, Check, Drop </a:t>
             </a:r>
             <a:endParaRPr lang="de-DE" sz="2600" dirty="0" smtClean="0">
               <a:solidFill>
@@ -6944,8 +6936,20 @@
               <a:t>Assertions</a:t>
             </a:r>
             <a:r>
+              <a:rPr lang="de-DE" sz="3600" smtClean="0"/>
+              <a:t>: </a:t>
+            </a:r>
+            <a:r>
+              <a:rPr lang="de-DE" sz="3600" smtClean="0"/>
+              <a:t>Create</a:t>
+            </a:r>
+            <a:r>
+              <a:rPr lang="de-DE" sz="3600" smtClean="0"/>
+              <a:t>, </a:t>
+            </a:r>
+            <a:r>
               <a:rPr lang="de-DE" sz="3600" dirty="0" smtClean="0"/>
-              <a:t>: Insert, Check &amp; Drop</a:t>
+              <a:t>Check &amp; Drop</a:t>
             </a:r>
             <a:endParaRPr lang="de-DE" sz="3600" dirty="0"/>
           </a:p>
